--- a/documentation/ISIA.pptx
+++ b/documentation/ISIA.pptx
@@ -9658,1396 +9658,36 @@
           <a:chExt cx="0" cy="0"/>
         </a:xfrm>
       </p:grpSpPr>
-      <p:sp>
-        <p:nvSpPr>
-          <p:cNvPr id="175" name="Shape 175"/>
-          <p:cNvSpPr/>
+      <p:pic>
+        <p:nvPicPr>
+          <p:cNvPr id="3" name="Picture 2">
+            <a:extLst>
+              <a:ext uri="{FF2B5EF4-FFF2-40B4-BE49-F238E27FC236}">
+                <a16:creationId xmlns:a16="http://schemas.microsoft.com/office/drawing/2014/main" id="{13D0CA3F-970B-4251-9DAE-59603FE62CEA}"/>
+              </a:ext>
+            </a:extLst>
+          </p:cNvPr>
+          <p:cNvPicPr>
+            <a:picLocks noChangeAspect="1"/>
+          </p:cNvPicPr>
           <p:nvPr/>
-        </p:nvSpPr>
-        <p:spPr>
-          <a:xfrm>
-            <a:off x="1039525" y="1873250"/>
-            <a:ext cx="563100" cy="465600"/>
-          </a:xfrm>
-          <a:prstGeom prst="ellipse">
-            <a:avLst/>
-          </a:prstGeom>
-          <a:solidFill>
-            <a:schemeClr val="lt2"/>
-          </a:solidFill>
-          <a:ln w="9525" cap="flat" cmpd="sng">
-            <a:solidFill>
-              <a:srgbClr val="000000"/>
-            </a:solidFill>
-            <a:prstDash val="solid"/>
-            <a:round/>
-            <a:headEnd type="none" w="sm" len="sm"/>
-            <a:tailEnd type="none" w="sm" len="sm"/>
-          </a:ln>
-        </p:spPr>
-        <p:txBody>
-          <a:bodyPr spcFirstLastPara="1" wrap="square" lIns="91425" tIns="91425" rIns="91425" bIns="91425" anchor="ctr" anchorCtr="0">
-            <a:noAutofit/>
-          </a:bodyPr>
-          <a:lstStyle/>
-          <a:p>
-            <a:pPr marL="0" lvl="0" indent="0">
-              <a:spcBef>
-                <a:spcPts val="0"/>
-              </a:spcBef>
-              <a:spcAft>
-                <a:spcPts val="0"/>
-              </a:spcAft>
-              <a:buNone/>
-            </a:pPr>
-            <a:endParaRPr/>
-          </a:p>
-        </p:txBody>
-      </p:sp>
-      <p:cxnSp>
-        <p:nvCxnSpPr>
-          <p:cNvPr id="176" name="Shape 176"/>
-          <p:cNvCxnSpPr>
-            <a:stCxn id="175" idx="4"/>
-          </p:cNvCxnSpPr>
-          <p:nvPr/>
-        </p:nvCxnSpPr>
-        <p:spPr>
-          <a:xfrm>
-            <a:off x="1321075" y="2338850"/>
-            <a:ext cx="10800" cy="628200"/>
-          </a:xfrm>
-          <a:prstGeom prst="straightConnector1">
-            <a:avLst/>
-          </a:prstGeom>
-          <a:noFill/>
-          <a:ln w="38100" cap="flat" cmpd="sng">
-            <a:solidFill>
-              <a:srgbClr val="000000"/>
-            </a:solidFill>
-            <a:prstDash val="solid"/>
-            <a:round/>
-            <a:headEnd type="none" w="med" len="med"/>
-            <a:tailEnd type="none" w="med" len="med"/>
-          </a:ln>
-        </p:spPr>
-      </p:cxnSp>
-      <p:cxnSp>
-        <p:nvCxnSpPr>
-          <p:cNvPr id="177" name="Shape 177"/>
-          <p:cNvCxnSpPr/>
-          <p:nvPr/>
-        </p:nvCxnSpPr>
-        <p:spPr>
-          <a:xfrm>
-            <a:off x="1321075" y="2360900"/>
-            <a:ext cx="324900" cy="248700"/>
-          </a:xfrm>
-          <a:prstGeom prst="straightConnector1">
-            <a:avLst/>
-          </a:prstGeom>
-          <a:noFill/>
-          <a:ln w="38100" cap="flat" cmpd="sng">
-            <a:solidFill>
-              <a:srgbClr val="000000"/>
-            </a:solidFill>
-            <a:prstDash val="solid"/>
-            <a:round/>
-            <a:headEnd type="none" w="med" len="med"/>
-            <a:tailEnd type="none" w="med" len="med"/>
-          </a:ln>
-        </p:spPr>
-      </p:cxnSp>
-      <p:cxnSp>
-        <p:nvCxnSpPr>
-          <p:cNvPr id="178" name="Shape 178"/>
-          <p:cNvCxnSpPr>
-            <a:stCxn id="175" idx="4"/>
-          </p:cNvCxnSpPr>
-          <p:nvPr/>
-        </p:nvCxnSpPr>
-        <p:spPr>
-          <a:xfrm flipH="1">
-            <a:off x="1028575" y="2338850"/>
-            <a:ext cx="292500" cy="324900"/>
-          </a:xfrm>
-          <a:prstGeom prst="straightConnector1">
-            <a:avLst/>
-          </a:prstGeom>
-          <a:noFill/>
-          <a:ln w="38100" cap="flat" cmpd="sng">
-            <a:solidFill>
-              <a:srgbClr val="000000"/>
-            </a:solidFill>
-            <a:prstDash val="solid"/>
-            <a:round/>
-            <a:headEnd type="none" w="med" len="med"/>
-            <a:tailEnd type="none" w="med" len="med"/>
-          </a:ln>
-        </p:spPr>
-      </p:cxnSp>
-      <p:cxnSp>
-        <p:nvCxnSpPr>
-          <p:cNvPr id="179" name="Shape 179"/>
-          <p:cNvCxnSpPr/>
-          <p:nvPr/>
-        </p:nvCxnSpPr>
-        <p:spPr>
-          <a:xfrm>
-            <a:off x="1321075" y="2941650"/>
-            <a:ext cx="270600" cy="306900"/>
-          </a:xfrm>
-          <a:prstGeom prst="straightConnector1">
-            <a:avLst/>
-          </a:prstGeom>
-          <a:noFill/>
-          <a:ln w="38100" cap="flat" cmpd="sng">
-            <a:solidFill>
-              <a:srgbClr val="000000"/>
-            </a:solidFill>
-            <a:prstDash val="solid"/>
-            <a:round/>
-            <a:headEnd type="none" w="med" len="med"/>
-            <a:tailEnd type="none" w="med" len="med"/>
-          </a:ln>
-        </p:spPr>
-      </p:cxnSp>
-      <p:cxnSp>
-        <p:nvCxnSpPr>
-          <p:cNvPr id="180" name="Shape 180"/>
-          <p:cNvCxnSpPr/>
-          <p:nvPr/>
-        </p:nvCxnSpPr>
-        <p:spPr>
-          <a:xfrm flipH="1">
-            <a:off x="1126050" y="2977750"/>
-            <a:ext cx="195000" cy="292500"/>
-          </a:xfrm>
-          <a:prstGeom prst="straightConnector1">
-            <a:avLst/>
-          </a:prstGeom>
-          <a:noFill/>
-          <a:ln w="38100" cap="flat" cmpd="sng">
-            <a:solidFill>
-              <a:srgbClr val="000000"/>
-            </a:solidFill>
-            <a:prstDash val="solid"/>
-            <a:round/>
-            <a:headEnd type="none" w="med" len="med"/>
-            <a:tailEnd type="none" w="med" len="med"/>
-          </a:ln>
-        </p:spPr>
-      </p:cxnSp>
-      <p:sp>
-        <p:nvSpPr>
-          <p:cNvPr id="181" name="Shape 181"/>
-          <p:cNvSpPr/>
-          <p:nvPr/>
-        </p:nvSpPr>
-        <p:spPr>
-          <a:xfrm>
-            <a:off x="7244775" y="1873250"/>
-            <a:ext cx="563100" cy="465600"/>
-          </a:xfrm>
-          <a:prstGeom prst="ellipse">
-            <a:avLst/>
-          </a:prstGeom>
-          <a:solidFill>
-            <a:schemeClr val="lt2"/>
-          </a:solidFill>
-          <a:ln w="9525" cap="flat" cmpd="sng">
-            <a:solidFill>
-              <a:srgbClr val="000000"/>
-            </a:solidFill>
-            <a:prstDash val="solid"/>
-            <a:round/>
-            <a:headEnd type="none" w="sm" len="sm"/>
-            <a:tailEnd type="none" w="sm" len="sm"/>
-          </a:ln>
-        </p:spPr>
-        <p:txBody>
-          <a:bodyPr spcFirstLastPara="1" wrap="square" lIns="91425" tIns="91425" rIns="91425" bIns="91425" anchor="ctr" anchorCtr="0">
-            <a:noAutofit/>
-          </a:bodyPr>
-          <a:lstStyle/>
-          <a:p>
-            <a:pPr marL="0" lvl="0" indent="0">
-              <a:spcBef>
-                <a:spcPts val="0"/>
-              </a:spcBef>
-              <a:spcAft>
-                <a:spcPts val="0"/>
-              </a:spcAft>
-              <a:buNone/>
-            </a:pPr>
-            <a:endParaRPr/>
-          </a:p>
-        </p:txBody>
-      </p:sp>
-      <p:cxnSp>
-        <p:nvCxnSpPr>
-          <p:cNvPr id="182" name="Shape 182"/>
-          <p:cNvCxnSpPr>
-            <a:stCxn id="181" idx="4"/>
-          </p:cNvCxnSpPr>
-          <p:nvPr/>
-        </p:nvCxnSpPr>
-        <p:spPr>
-          <a:xfrm>
-            <a:off x="7526325" y="2338850"/>
-            <a:ext cx="10800" cy="628200"/>
-          </a:xfrm>
-          <a:prstGeom prst="straightConnector1">
-            <a:avLst/>
-          </a:prstGeom>
-          <a:noFill/>
-          <a:ln w="38100" cap="flat" cmpd="sng">
-            <a:solidFill>
-              <a:srgbClr val="000000"/>
-            </a:solidFill>
-            <a:prstDash val="solid"/>
-            <a:round/>
-            <a:headEnd type="none" w="med" len="med"/>
-            <a:tailEnd type="none" w="med" len="med"/>
-          </a:ln>
-        </p:spPr>
-      </p:cxnSp>
-      <p:cxnSp>
-        <p:nvCxnSpPr>
-          <p:cNvPr id="183" name="Shape 183"/>
-          <p:cNvCxnSpPr/>
-          <p:nvPr/>
-        </p:nvCxnSpPr>
-        <p:spPr>
-          <a:xfrm>
-            <a:off x="7526325" y="2360900"/>
-            <a:ext cx="324900" cy="248700"/>
-          </a:xfrm>
-          <a:prstGeom prst="straightConnector1">
-            <a:avLst/>
-          </a:prstGeom>
-          <a:noFill/>
-          <a:ln w="38100" cap="flat" cmpd="sng">
-            <a:solidFill>
-              <a:srgbClr val="000000"/>
-            </a:solidFill>
-            <a:prstDash val="solid"/>
-            <a:round/>
-            <a:headEnd type="none" w="med" len="med"/>
-            <a:tailEnd type="none" w="med" len="med"/>
-          </a:ln>
-        </p:spPr>
-      </p:cxnSp>
-      <p:cxnSp>
-        <p:nvCxnSpPr>
-          <p:cNvPr id="184" name="Shape 184"/>
-          <p:cNvCxnSpPr>
-            <a:stCxn id="181" idx="4"/>
-          </p:cNvCxnSpPr>
-          <p:nvPr/>
-        </p:nvCxnSpPr>
-        <p:spPr>
-          <a:xfrm flipH="1">
-            <a:off x="7233825" y="2338850"/>
-            <a:ext cx="292500" cy="324900"/>
-          </a:xfrm>
-          <a:prstGeom prst="straightConnector1">
-            <a:avLst/>
-          </a:prstGeom>
-          <a:noFill/>
-          <a:ln w="38100" cap="flat" cmpd="sng">
-            <a:solidFill>
-              <a:srgbClr val="000000"/>
-            </a:solidFill>
-            <a:prstDash val="solid"/>
-            <a:round/>
-            <a:headEnd type="none" w="med" len="med"/>
-            <a:tailEnd type="none" w="med" len="med"/>
-          </a:ln>
-        </p:spPr>
-      </p:cxnSp>
-      <p:cxnSp>
-        <p:nvCxnSpPr>
-          <p:cNvPr id="185" name="Shape 185"/>
-          <p:cNvCxnSpPr/>
-          <p:nvPr/>
-        </p:nvCxnSpPr>
-        <p:spPr>
-          <a:xfrm>
-            <a:off x="7526325" y="2941650"/>
-            <a:ext cx="270600" cy="306900"/>
-          </a:xfrm>
-          <a:prstGeom prst="straightConnector1">
-            <a:avLst/>
-          </a:prstGeom>
-          <a:noFill/>
-          <a:ln w="38100" cap="flat" cmpd="sng">
-            <a:solidFill>
-              <a:srgbClr val="000000"/>
-            </a:solidFill>
-            <a:prstDash val="solid"/>
-            <a:round/>
-            <a:headEnd type="none" w="med" len="med"/>
-            <a:tailEnd type="none" w="med" len="med"/>
-          </a:ln>
-        </p:spPr>
-      </p:cxnSp>
-      <p:cxnSp>
-        <p:nvCxnSpPr>
-          <p:cNvPr id="186" name="Shape 186"/>
-          <p:cNvCxnSpPr/>
-          <p:nvPr/>
-        </p:nvCxnSpPr>
-        <p:spPr>
-          <a:xfrm flipH="1">
-            <a:off x="7331300" y="2977750"/>
-            <a:ext cx="195000" cy="292500"/>
-          </a:xfrm>
-          <a:prstGeom prst="straightConnector1">
-            <a:avLst/>
-          </a:prstGeom>
-          <a:noFill/>
-          <a:ln w="38100" cap="flat" cmpd="sng">
-            <a:solidFill>
-              <a:srgbClr val="000000"/>
-            </a:solidFill>
-            <a:prstDash val="solid"/>
-            <a:round/>
-            <a:headEnd type="none" w="med" len="med"/>
-            <a:tailEnd type="none" w="med" len="med"/>
-          </a:ln>
-        </p:spPr>
-      </p:cxnSp>
-      <p:sp>
-        <p:nvSpPr>
-          <p:cNvPr id="187" name="Shape 187"/>
-          <p:cNvSpPr/>
-          <p:nvPr/>
-        </p:nvSpPr>
-        <p:spPr>
-          <a:xfrm>
-            <a:off x="563075" y="314025"/>
-            <a:ext cx="1930950" cy="812100"/>
-          </a:xfrm>
-          <a:prstGeom prst="rect">
-            <a:avLst/>
-          </a:prstGeom>
-          <a:noFill/>
-          <a:ln w="28575" cap="flat" cmpd="sng">
-            <a:solidFill>
-              <a:srgbClr val="FFFFFF"/>
-            </a:solidFill>
-            <a:prstDash val="solid"/>
-            <a:round/>
-            <a:headEnd type="none" w="sm" len="sm"/>
-            <a:tailEnd type="none" w="sm" len="sm"/>
-          </a:ln>
-        </p:spPr>
-        <p:txBody>
-          <a:bodyPr spcFirstLastPara="1" wrap="square" lIns="91425" tIns="91425" rIns="91425" bIns="91425" anchor="ctr" anchorCtr="0">
-            <a:noAutofit/>
-          </a:bodyPr>
-          <a:lstStyle/>
-          <a:p>
-            <a:pPr marL="0" lvl="0" indent="0">
-              <a:spcBef>
-                <a:spcPts val="0"/>
-              </a:spcBef>
-              <a:spcAft>
-                <a:spcPts val="0"/>
-              </a:spcAft>
-              <a:buNone/>
-            </a:pPr>
-            <a:endParaRPr/>
-          </a:p>
-        </p:txBody>
-      </p:sp>
-      <p:sp>
-        <p:nvSpPr>
-          <p:cNvPr id="188" name="Shape 188"/>
-          <p:cNvSpPr/>
-          <p:nvPr/>
-        </p:nvSpPr>
-        <p:spPr>
-          <a:xfrm>
-            <a:off x="3071575" y="1431510"/>
-            <a:ext cx="2730300" cy="645000"/>
-          </a:xfrm>
-          <a:prstGeom prst="ellipse">
-            <a:avLst/>
-          </a:prstGeom>
-          <a:solidFill>
-            <a:schemeClr val="lt2"/>
-          </a:solidFill>
-          <a:ln w="9525" cap="flat" cmpd="sng">
-            <a:solidFill>
-              <a:schemeClr val="dk2"/>
-            </a:solidFill>
-            <a:prstDash val="solid"/>
-            <a:round/>
-            <a:headEnd type="none" w="sm" len="sm"/>
-            <a:tailEnd type="none" w="sm" len="sm"/>
-          </a:ln>
-        </p:spPr>
-        <p:txBody>
-          <a:bodyPr spcFirstLastPara="1" wrap="square" lIns="91425" tIns="91425" rIns="91425" bIns="91425" anchor="ctr" anchorCtr="0">
-            <a:noAutofit/>
-          </a:bodyPr>
-          <a:lstStyle/>
-          <a:p>
-            <a:pPr marL="0" lvl="0" indent="0">
-              <a:spcBef>
-                <a:spcPts val="0"/>
-              </a:spcBef>
-              <a:spcAft>
-                <a:spcPts val="0"/>
-              </a:spcAft>
-              <a:buNone/>
-            </a:pPr>
-            <a:endParaRPr/>
-          </a:p>
-        </p:txBody>
-      </p:sp>
-      <p:sp>
-        <p:nvSpPr>
-          <p:cNvPr id="189" name="Shape 189"/>
-          <p:cNvSpPr/>
-          <p:nvPr/>
-        </p:nvSpPr>
-        <p:spPr>
-          <a:xfrm>
-            <a:off x="3071575" y="2134544"/>
-            <a:ext cx="2730300" cy="645000"/>
-          </a:xfrm>
-          <a:prstGeom prst="ellipse">
-            <a:avLst/>
-          </a:prstGeom>
-          <a:solidFill>
-            <a:schemeClr val="lt2"/>
-          </a:solidFill>
-          <a:ln w="9525" cap="flat" cmpd="sng">
-            <a:solidFill>
-              <a:schemeClr val="dk2"/>
-            </a:solidFill>
-            <a:prstDash val="solid"/>
-            <a:round/>
-            <a:headEnd type="none" w="sm" len="sm"/>
-            <a:tailEnd type="none" w="sm" len="sm"/>
-          </a:ln>
-        </p:spPr>
-        <p:txBody>
-          <a:bodyPr spcFirstLastPara="1" wrap="square" lIns="91425" tIns="91425" rIns="91425" bIns="91425" anchor="ctr" anchorCtr="0">
-            <a:noAutofit/>
-          </a:bodyPr>
-          <a:lstStyle/>
-          <a:p>
-            <a:pPr marL="0" lvl="0" indent="0">
-              <a:spcBef>
-                <a:spcPts val="0"/>
-              </a:spcBef>
-              <a:spcAft>
-                <a:spcPts val="0"/>
-              </a:spcAft>
-              <a:buNone/>
-            </a:pPr>
-            <a:endParaRPr/>
-          </a:p>
-        </p:txBody>
-      </p:sp>
-      <p:sp>
-        <p:nvSpPr>
-          <p:cNvPr id="190" name="Shape 190"/>
-          <p:cNvSpPr/>
-          <p:nvPr/>
-        </p:nvSpPr>
-        <p:spPr>
-          <a:xfrm>
-            <a:off x="3071575" y="2837579"/>
-            <a:ext cx="2730300" cy="645000"/>
-          </a:xfrm>
-          <a:prstGeom prst="ellipse">
-            <a:avLst/>
-          </a:prstGeom>
-          <a:solidFill>
-            <a:schemeClr val="lt2"/>
-          </a:solidFill>
-          <a:ln w="9525" cap="flat" cmpd="sng">
-            <a:solidFill>
-              <a:schemeClr val="dk2"/>
-            </a:solidFill>
-            <a:prstDash val="solid"/>
-            <a:round/>
-            <a:headEnd type="none" w="sm" len="sm"/>
-            <a:tailEnd type="none" w="sm" len="sm"/>
-          </a:ln>
-        </p:spPr>
-        <p:txBody>
-          <a:bodyPr spcFirstLastPara="1" wrap="square" lIns="91425" tIns="91425" rIns="91425" bIns="91425" anchor="ctr" anchorCtr="0">
-            <a:noAutofit/>
-          </a:bodyPr>
-          <a:lstStyle/>
-          <a:p>
-            <a:pPr marL="0" lvl="0" indent="0">
-              <a:spcBef>
-                <a:spcPts val="0"/>
-              </a:spcBef>
-              <a:spcAft>
-                <a:spcPts val="0"/>
-              </a:spcAft>
-              <a:buNone/>
-            </a:pPr>
-            <a:endParaRPr/>
-          </a:p>
-        </p:txBody>
-      </p:sp>
-      <p:sp>
-        <p:nvSpPr>
-          <p:cNvPr id="191" name="Shape 191"/>
-          <p:cNvSpPr/>
-          <p:nvPr/>
-        </p:nvSpPr>
-        <p:spPr>
-          <a:xfrm>
-            <a:off x="3071575" y="728475"/>
-            <a:ext cx="2730300" cy="645000"/>
-          </a:xfrm>
-          <a:prstGeom prst="ellipse">
-            <a:avLst/>
-          </a:prstGeom>
-          <a:solidFill>
-            <a:schemeClr val="lt2"/>
-          </a:solidFill>
-          <a:ln w="9525" cap="flat" cmpd="sng">
-            <a:solidFill>
-              <a:schemeClr val="dk2"/>
-            </a:solidFill>
-            <a:prstDash val="solid"/>
-            <a:round/>
-            <a:headEnd type="none" w="sm" len="sm"/>
-            <a:tailEnd type="none" w="sm" len="sm"/>
-          </a:ln>
-        </p:spPr>
-        <p:txBody>
-          <a:bodyPr spcFirstLastPara="1" wrap="square" lIns="91425" tIns="91425" rIns="91425" bIns="91425" anchor="ctr" anchorCtr="0">
-            <a:noAutofit/>
-          </a:bodyPr>
-          <a:lstStyle/>
-          <a:p>
-            <a:pPr marL="0" lvl="0" indent="0">
-              <a:spcBef>
-                <a:spcPts val="0"/>
-              </a:spcBef>
-              <a:spcAft>
-                <a:spcPts val="0"/>
-              </a:spcAft>
-              <a:buNone/>
-            </a:pPr>
-            <a:endParaRPr/>
-          </a:p>
-        </p:txBody>
-      </p:sp>
-      <p:sp>
-        <p:nvSpPr>
-          <p:cNvPr id="192" name="Shape 192"/>
-          <p:cNvSpPr/>
-          <p:nvPr/>
-        </p:nvSpPr>
-        <p:spPr>
-          <a:xfrm>
-            <a:off x="3090275" y="3597013"/>
-            <a:ext cx="2730300" cy="645000"/>
-          </a:xfrm>
-          <a:prstGeom prst="ellipse">
-            <a:avLst/>
-          </a:prstGeom>
-          <a:solidFill>
-            <a:schemeClr val="lt2"/>
-          </a:solidFill>
-          <a:ln w="9525" cap="flat" cmpd="sng">
-            <a:solidFill>
-              <a:schemeClr val="dk2"/>
-            </a:solidFill>
-            <a:prstDash val="solid"/>
-            <a:round/>
-            <a:headEnd type="none" w="sm" len="sm"/>
-            <a:tailEnd type="none" w="sm" len="sm"/>
-          </a:ln>
-        </p:spPr>
-        <p:txBody>
-          <a:bodyPr spcFirstLastPara="1" wrap="square" lIns="91425" tIns="91425" rIns="91425" bIns="91425" anchor="ctr" anchorCtr="0">
-            <a:noAutofit/>
-          </a:bodyPr>
-          <a:lstStyle/>
-          <a:p>
-            <a:pPr marL="0" lvl="0" indent="0">
-              <a:spcBef>
-                <a:spcPts val="0"/>
-              </a:spcBef>
-              <a:spcAft>
-                <a:spcPts val="0"/>
-              </a:spcAft>
-              <a:buNone/>
-            </a:pPr>
-            <a:endParaRPr/>
-          </a:p>
-        </p:txBody>
-      </p:sp>
-      <p:sp>
-        <p:nvSpPr>
-          <p:cNvPr id="193" name="Shape 193"/>
-          <p:cNvSpPr txBox="1"/>
-          <p:nvPr/>
-        </p:nvSpPr>
-        <p:spPr>
-          <a:xfrm>
-            <a:off x="4065525" y="784875"/>
-            <a:ext cx="1071600" cy="532200"/>
-          </a:xfrm>
-          <a:prstGeom prst="rect">
-            <a:avLst/>
-          </a:prstGeom>
-          <a:noFill/>
-          <a:ln>
-            <a:noFill/>
-          </a:ln>
-        </p:spPr>
-        <p:txBody>
-          <a:bodyPr spcFirstLastPara="1" wrap="square" lIns="91425" tIns="91425" rIns="91425" bIns="91425" anchor="t" anchorCtr="0">
-            <a:noAutofit/>
-          </a:bodyPr>
-          <a:lstStyle/>
-          <a:p>
-            <a:pPr marL="0" lvl="0" indent="0">
-              <a:spcBef>
-                <a:spcPts val="0"/>
-              </a:spcBef>
-              <a:spcAft>
-                <a:spcPts val="0"/>
-              </a:spcAft>
-              <a:buNone/>
-            </a:pPr>
-            <a:r>
-              <a:rPr lang="id" sz="2400" dirty="0">
-                <a:latin typeface="Berlin Sans FB" panose="020E0602020502020306" pitchFamily="34" charset="0"/>
-                <a:ea typeface="Amatic SC"/>
-                <a:cs typeface="Amatic SC"/>
-                <a:sym typeface="Amatic SC"/>
-              </a:rPr>
-              <a:t>Log In</a:t>
-            </a:r>
-            <a:endParaRPr sz="2400" dirty="0">
-              <a:latin typeface="Berlin Sans FB" panose="020E0602020502020306" pitchFamily="34" charset="0"/>
-              <a:ea typeface="Amatic SC"/>
-              <a:cs typeface="Amatic SC"/>
-              <a:sym typeface="Amatic SC"/>
-            </a:endParaRPr>
-          </a:p>
-        </p:txBody>
-      </p:sp>
-      <p:sp>
-        <p:nvSpPr>
-          <p:cNvPr id="194" name="Shape 194"/>
-          <p:cNvSpPr txBox="1"/>
-          <p:nvPr/>
-        </p:nvSpPr>
-        <p:spPr>
-          <a:xfrm>
-            <a:off x="3619050" y="1487910"/>
-            <a:ext cx="1790500" cy="532200"/>
-          </a:xfrm>
-          <a:prstGeom prst="rect">
-            <a:avLst/>
-          </a:prstGeom>
-          <a:noFill/>
-          <a:ln>
-            <a:noFill/>
-          </a:ln>
-        </p:spPr>
-        <p:txBody>
-          <a:bodyPr spcFirstLastPara="1" wrap="square" lIns="91425" tIns="91425" rIns="91425" bIns="91425" anchor="t" anchorCtr="0">
-            <a:noAutofit/>
-          </a:bodyPr>
-          <a:lstStyle/>
-          <a:p>
-            <a:pPr marL="0" lvl="0" indent="0" rtl="0">
-              <a:spcBef>
-                <a:spcPts val="0"/>
-              </a:spcBef>
-              <a:spcAft>
-                <a:spcPts val="0"/>
-              </a:spcAft>
-              <a:buNone/>
-            </a:pPr>
-            <a:r>
-              <a:rPr lang="id" sz="2000" dirty="0">
-                <a:latin typeface="Berlin Sans FB" panose="020E0602020502020306" pitchFamily="34" charset="0"/>
-                <a:ea typeface="Amatic SC"/>
-                <a:cs typeface="Amatic SC"/>
-                <a:sym typeface="Amatic SC"/>
-              </a:rPr>
-              <a:t>membuat post</a:t>
-            </a:r>
-            <a:endParaRPr sz="2000" dirty="0">
-              <a:latin typeface="Berlin Sans FB" panose="020E0602020502020306" pitchFamily="34" charset="0"/>
-              <a:ea typeface="Amatic SC"/>
-              <a:cs typeface="Amatic SC"/>
-              <a:sym typeface="Amatic SC"/>
-            </a:endParaRPr>
-          </a:p>
-        </p:txBody>
-      </p:sp>
-      <p:sp>
-        <p:nvSpPr>
-          <p:cNvPr id="195" name="Shape 195"/>
-          <p:cNvSpPr txBox="1"/>
-          <p:nvPr/>
-        </p:nvSpPr>
-        <p:spPr>
-          <a:xfrm>
-            <a:off x="3619050" y="2190944"/>
-            <a:ext cx="1772400" cy="532200"/>
-          </a:xfrm>
-          <a:prstGeom prst="rect">
-            <a:avLst/>
-          </a:prstGeom>
-          <a:noFill/>
-          <a:ln>
-            <a:noFill/>
-          </a:ln>
-        </p:spPr>
-        <p:txBody>
-          <a:bodyPr spcFirstLastPara="1" wrap="square" lIns="91425" tIns="91425" rIns="91425" bIns="91425" anchor="t" anchorCtr="0">
-            <a:noAutofit/>
-          </a:bodyPr>
-          <a:lstStyle/>
-          <a:p>
-            <a:pPr marL="0" lvl="0" indent="0" rtl="0">
-              <a:spcBef>
-                <a:spcPts val="0"/>
-              </a:spcBef>
-              <a:spcAft>
-                <a:spcPts val="0"/>
-              </a:spcAft>
-              <a:buNone/>
-            </a:pPr>
-            <a:r>
-              <a:rPr lang="id" sz="2000" dirty="0">
-                <a:latin typeface="Berlin Sans FB" panose="020E0602020502020306" pitchFamily="34" charset="0"/>
-                <a:ea typeface="Amatic SC"/>
-                <a:cs typeface="Amatic SC"/>
-                <a:sym typeface="Amatic SC"/>
-              </a:rPr>
-              <a:t>membaca post</a:t>
-            </a:r>
-            <a:endParaRPr sz="2000" dirty="0">
-              <a:latin typeface="Berlin Sans FB" panose="020E0602020502020306" pitchFamily="34" charset="0"/>
-              <a:ea typeface="Amatic SC"/>
-              <a:cs typeface="Amatic SC"/>
-              <a:sym typeface="Amatic SC"/>
-            </a:endParaRPr>
-          </a:p>
-        </p:txBody>
-      </p:sp>
-      <p:sp>
-        <p:nvSpPr>
-          <p:cNvPr id="196" name="Shape 196"/>
-          <p:cNvSpPr txBox="1"/>
-          <p:nvPr/>
-        </p:nvSpPr>
-        <p:spPr>
-          <a:xfrm>
-            <a:off x="3517075" y="2893979"/>
-            <a:ext cx="2039524" cy="532200"/>
-          </a:xfrm>
-          <a:prstGeom prst="rect">
-            <a:avLst/>
-          </a:prstGeom>
-          <a:noFill/>
-          <a:ln>
-            <a:noFill/>
-          </a:ln>
-        </p:spPr>
-        <p:txBody>
-          <a:bodyPr spcFirstLastPara="1" wrap="square" lIns="91425" tIns="91425" rIns="91425" bIns="91425" anchor="t" anchorCtr="0">
-            <a:noAutofit/>
-          </a:bodyPr>
-          <a:lstStyle/>
-          <a:p>
-            <a:pPr marL="0" lvl="0" indent="0" rtl="0">
-              <a:spcBef>
-                <a:spcPts val="0"/>
-              </a:spcBef>
-              <a:spcAft>
-                <a:spcPts val="0"/>
-              </a:spcAft>
-              <a:buNone/>
-            </a:pPr>
-            <a:r>
-              <a:rPr lang="id" sz="2000" dirty="0">
-                <a:latin typeface="Berlin Sans FB" panose="020E0602020502020306" pitchFamily="34" charset="0"/>
-                <a:ea typeface="Amatic SC"/>
-                <a:cs typeface="Amatic SC"/>
-                <a:sym typeface="Amatic SC"/>
-              </a:rPr>
-              <a:t>Menyunting post</a:t>
-            </a:r>
-            <a:endParaRPr sz="2000" dirty="0">
-              <a:latin typeface="Berlin Sans FB" panose="020E0602020502020306" pitchFamily="34" charset="0"/>
-              <a:ea typeface="Amatic SC"/>
-              <a:cs typeface="Amatic SC"/>
-              <a:sym typeface="Amatic SC"/>
-            </a:endParaRPr>
-          </a:p>
-        </p:txBody>
-      </p:sp>
-      <p:sp>
-        <p:nvSpPr>
-          <p:cNvPr id="197" name="Shape 197"/>
-          <p:cNvSpPr txBox="1"/>
-          <p:nvPr/>
-        </p:nvSpPr>
-        <p:spPr>
-          <a:xfrm>
-            <a:off x="3501628" y="3653413"/>
-            <a:ext cx="1907922" cy="532200"/>
-          </a:xfrm>
-          <a:prstGeom prst="rect">
-            <a:avLst/>
-          </a:prstGeom>
-          <a:noFill/>
-          <a:ln>
-            <a:noFill/>
-          </a:ln>
-        </p:spPr>
-        <p:txBody>
-          <a:bodyPr spcFirstLastPara="1" wrap="square" lIns="91425" tIns="91425" rIns="91425" bIns="91425" anchor="t" anchorCtr="0">
-            <a:noAutofit/>
-          </a:bodyPr>
-          <a:lstStyle/>
-          <a:p>
-            <a:pPr marL="0" lvl="0" indent="0" rtl="0">
-              <a:spcBef>
-                <a:spcPts val="0"/>
-              </a:spcBef>
-              <a:spcAft>
-                <a:spcPts val="0"/>
-              </a:spcAft>
-              <a:buNone/>
-            </a:pPr>
-            <a:r>
-              <a:rPr lang="id" sz="2000" dirty="0">
-                <a:latin typeface="Berlin Sans FB" panose="020E0602020502020306" pitchFamily="34" charset="0"/>
-                <a:ea typeface="Amatic SC"/>
-                <a:cs typeface="Amatic SC"/>
-                <a:sym typeface="Amatic SC"/>
-              </a:rPr>
-              <a:t>Menghapus post</a:t>
-            </a:r>
-            <a:endParaRPr sz="2000" dirty="0">
-              <a:latin typeface="Berlin Sans FB" panose="020E0602020502020306" pitchFamily="34" charset="0"/>
-              <a:ea typeface="Amatic SC"/>
-              <a:cs typeface="Amatic SC"/>
-              <a:sym typeface="Amatic SC"/>
-            </a:endParaRPr>
-          </a:p>
-        </p:txBody>
-      </p:sp>
-      <p:sp>
-        <p:nvSpPr>
-          <p:cNvPr id="198" name="Shape 198"/>
-          <p:cNvSpPr txBox="1"/>
-          <p:nvPr/>
-        </p:nvSpPr>
-        <p:spPr>
-          <a:xfrm>
-            <a:off x="489883" y="382871"/>
-            <a:ext cx="2126360" cy="731700"/>
-          </a:xfrm>
-          <a:prstGeom prst="rect">
-            <a:avLst/>
-          </a:prstGeom>
-          <a:noFill/>
-          <a:ln>
-            <a:noFill/>
-          </a:ln>
-        </p:spPr>
-        <p:txBody>
-          <a:bodyPr spcFirstLastPara="1" wrap="square" lIns="91425" tIns="91425" rIns="91425" bIns="91425" anchor="t" anchorCtr="0">
-            <a:noAutofit/>
-          </a:bodyPr>
-          <a:lstStyle/>
-          <a:p>
-            <a:pPr marL="0" lvl="0" indent="0">
-              <a:spcBef>
-                <a:spcPts val="0"/>
-              </a:spcBef>
-              <a:spcAft>
-                <a:spcPts val="0"/>
-              </a:spcAft>
-              <a:buNone/>
-            </a:pPr>
-            <a:r>
-              <a:rPr lang="id" sz="3200" dirty="0">
-                <a:solidFill>
-                  <a:srgbClr val="FFFFFF"/>
-                </a:solidFill>
-                <a:latin typeface="Berlin Sans FB" panose="020E0602020502020306" pitchFamily="34" charset="0"/>
-                <a:ea typeface="Amatic SC"/>
-                <a:cs typeface="Amatic SC"/>
-                <a:sym typeface="Amatic SC"/>
-              </a:rPr>
-              <a:t> USE CASE</a:t>
-            </a:r>
-            <a:r>
-              <a:rPr lang="id" sz="1000" dirty="0">
-                <a:latin typeface="Berlin Sans FB" panose="020E0602020502020306" pitchFamily="34" charset="0"/>
-                <a:ea typeface="Amatic SC"/>
-                <a:cs typeface="Amatic SC"/>
-                <a:sym typeface="Amatic SC"/>
-              </a:rPr>
-              <a:t> </a:t>
-            </a:r>
-            <a:endParaRPr sz="1000" dirty="0">
-              <a:latin typeface="Berlin Sans FB" panose="020E0602020502020306" pitchFamily="34" charset="0"/>
-              <a:ea typeface="Amatic SC"/>
-              <a:cs typeface="Amatic SC"/>
-              <a:sym typeface="Amatic SC"/>
-            </a:endParaRPr>
-          </a:p>
-        </p:txBody>
-      </p:sp>
-      <p:cxnSp>
-        <p:nvCxnSpPr>
-          <p:cNvPr id="199" name="Shape 199"/>
-          <p:cNvCxnSpPr>
-            <a:stCxn id="191" idx="2"/>
-          </p:cNvCxnSpPr>
-          <p:nvPr/>
-        </p:nvCxnSpPr>
-        <p:spPr>
-          <a:xfrm flipH="1">
-            <a:off x="1999975" y="1050975"/>
-            <a:ext cx="1071600" cy="2044800"/>
-          </a:xfrm>
-          <a:prstGeom prst="straightConnector1">
-            <a:avLst/>
-          </a:prstGeom>
-          <a:noFill/>
-          <a:ln w="38100" cap="flat" cmpd="sng">
-            <a:solidFill>
-              <a:srgbClr val="FFFFFF"/>
-            </a:solidFill>
-            <a:prstDash val="solid"/>
-            <a:round/>
-            <a:headEnd type="none" w="med" len="med"/>
-            <a:tailEnd type="none" w="med" len="med"/>
-          </a:ln>
-        </p:spPr>
-      </p:cxnSp>
-      <p:cxnSp>
-        <p:nvCxnSpPr>
-          <p:cNvPr id="200" name="Shape 200"/>
-          <p:cNvCxnSpPr>
-            <a:stCxn id="189" idx="2"/>
-          </p:cNvCxnSpPr>
-          <p:nvPr/>
-        </p:nvCxnSpPr>
-        <p:spPr>
-          <a:xfrm flipH="1">
-            <a:off x="2010775" y="2457044"/>
-            <a:ext cx="1060800" cy="649800"/>
-          </a:xfrm>
-          <a:prstGeom prst="straightConnector1">
-            <a:avLst/>
-          </a:prstGeom>
-          <a:noFill/>
-          <a:ln w="38100" cap="flat" cmpd="sng">
-            <a:solidFill>
-              <a:srgbClr val="FFFFFF"/>
-            </a:solidFill>
-            <a:prstDash val="solid"/>
-            <a:round/>
-            <a:headEnd type="none" w="med" len="med"/>
-            <a:tailEnd type="none" w="med" len="med"/>
-          </a:ln>
-        </p:spPr>
-      </p:cxnSp>
-      <p:cxnSp>
-        <p:nvCxnSpPr>
-          <p:cNvPr id="201" name="Shape 201"/>
-          <p:cNvCxnSpPr>
-            <a:stCxn id="191" idx="6"/>
-          </p:cNvCxnSpPr>
-          <p:nvPr/>
-        </p:nvCxnSpPr>
-        <p:spPr>
-          <a:xfrm>
-            <a:off x="5801875" y="1050975"/>
-            <a:ext cx="1146900" cy="2055600"/>
-          </a:xfrm>
-          <a:prstGeom prst="straightConnector1">
-            <a:avLst/>
-          </a:prstGeom>
-          <a:noFill/>
-          <a:ln w="38100" cap="flat" cmpd="sng">
-            <a:solidFill>
-              <a:srgbClr val="FFFFFF"/>
-            </a:solidFill>
-            <a:prstDash val="solid"/>
-            <a:round/>
-            <a:headEnd type="none" w="med" len="med"/>
-            <a:tailEnd type="none" w="med" len="med"/>
-          </a:ln>
-        </p:spPr>
-      </p:cxnSp>
-      <p:cxnSp>
-        <p:nvCxnSpPr>
-          <p:cNvPr id="202" name="Shape 202"/>
-          <p:cNvCxnSpPr>
-            <a:stCxn id="188" idx="6"/>
-          </p:cNvCxnSpPr>
-          <p:nvPr/>
-        </p:nvCxnSpPr>
-        <p:spPr>
-          <a:xfrm>
-            <a:off x="5801875" y="1754010"/>
-            <a:ext cx="1146900" cy="1374300"/>
-          </a:xfrm>
-          <a:prstGeom prst="straightConnector1">
-            <a:avLst/>
-          </a:prstGeom>
-          <a:noFill/>
-          <a:ln w="38100" cap="flat" cmpd="sng">
-            <a:solidFill>
-              <a:srgbClr val="FFFFFF"/>
-            </a:solidFill>
-            <a:prstDash val="solid"/>
-            <a:round/>
-            <a:headEnd type="none" w="med" len="med"/>
-            <a:tailEnd type="none" w="med" len="med"/>
-          </a:ln>
-        </p:spPr>
-      </p:cxnSp>
-      <p:cxnSp>
-        <p:nvCxnSpPr>
-          <p:cNvPr id="203" name="Shape 203"/>
-          <p:cNvCxnSpPr>
-            <a:stCxn id="189" idx="6"/>
-          </p:cNvCxnSpPr>
-          <p:nvPr/>
-        </p:nvCxnSpPr>
-        <p:spPr>
-          <a:xfrm>
-            <a:off x="5801875" y="2457044"/>
-            <a:ext cx="1146900" cy="703800"/>
-          </a:xfrm>
-          <a:prstGeom prst="straightConnector1">
-            <a:avLst/>
-          </a:prstGeom>
-          <a:noFill/>
-          <a:ln w="38100" cap="flat" cmpd="sng">
-            <a:solidFill>
-              <a:srgbClr val="FFFFFF"/>
-            </a:solidFill>
-            <a:prstDash val="solid"/>
-            <a:round/>
-            <a:headEnd type="none" w="med" len="med"/>
-            <a:tailEnd type="none" w="med" len="med"/>
-          </a:ln>
-        </p:spPr>
-      </p:cxnSp>
-      <p:cxnSp>
-        <p:nvCxnSpPr>
-          <p:cNvPr id="204" name="Shape 204"/>
-          <p:cNvCxnSpPr>
-            <a:stCxn id="190" idx="6"/>
-          </p:cNvCxnSpPr>
-          <p:nvPr/>
-        </p:nvCxnSpPr>
-        <p:spPr>
-          <a:xfrm>
-            <a:off x="5801875" y="3160079"/>
-            <a:ext cx="1103400" cy="11700"/>
-          </a:xfrm>
-          <a:prstGeom prst="straightConnector1">
-            <a:avLst/>
-          </a:prstGeom>
-          <a:noFill/>
-          <a:ln w="38100" cap="flat" cmpd="sng">
-            <a:solidFill>
-              <a:srgbClr val="FFFFFF"/>
-            </a:solidFill>
-            <a:prstDash val="solid"/>
-            <a:round/>
-            <a:headEnd type="none" w="med" len="med"/>
-            <a:tailEnd type="none" w="med" len="med"/>
-          </a:ln>
-        </p:spPr>
-      </p:cxnSp>
-      <p:cxnSp>
-        <p:nvCxnSpPr>
-          <p:cNvPr id="205" name="Shape 205"/>
-          <p:cNvCxnSpPr>
-            <a:stCxn id="192" idx="6"/>
-          </p:cNvCxnSpPr>
-          <p:nvPr/>
-        </p:nvCxnSpPr>
-        <p:spPr>
-          <a:xfrm rot="10800000" flipH="1">
-            <a:off x="5820575" y="3197413"/>
-            <a:ext cx="1119600" cy="722100"/>
-          </a:xfrm>
-          <a:prstGeom prst="straightConnector1">
-            <a:avLst/>
-          </a:prstGeom>
-          <a:noFill/>
-          <a:ln w="38100" cap="flat" cmpd="sng">
-            <a:solidFill>
-              <a:srgbClr val="FFFFFF"/>
-            </a:solidFill>
-            <a:prstDash val="solid"/>
-            <a:round/>
-            <a:headEnd type="none" w="med" len="med"/>
-            <a:tailEnd type="none" w="med" len="med"/>
-          </a:ln>
-        </p:spPr>
-      </p:cxnSp>
-      <p:sp>
-        <p:nvSpPr>
-          <p:cNvPr id="206" name="Shape 206"/>
-          <p:cNvSpPr/>
-          <p:nvPr/>
-        </p:nvSpPr>
-        <p:spPr>
-          <a:xfrm>
-            <a:off x="775724" y="3421775"/>
-            <a:ext cx="1236500" cy="306900"/>
-          </a:xfrm>
-          <a:prstGeom prst="rect">
-            <a:avLst/>
-          </a:prstGeom>
-          <a:noFill/>
-          <a:ln w="19050" cap="flat" cmpd="sng">
-            <a:solidFill>
-              <a:srgbClr val="FFFFFF"/>
-            </a:solidFill>
-            <a:prstDash val="solid"/>
-            <a:round/>
-            <a:headEnd type="none" w="sm" len="sm"/>
-            <a:tailEnd type="none" w="sm" len="sm"/>
-          </a:ln>
-        </p:spPr>
-        <p:txBody>
-          <a:bodyPr spcFirstLastPara="1" wrap="square" lIns="91425" tIns="91425" rIns="91425" bIns="91425" anchor="ctr" anchorCtr="0">
-            <a:noAutofit/>
-          </a:bodyPr>
-          <a:lstStyle/>
-          <a:p>
-            <a:pPr marL="0" lvl="0" indent="0">
-              <a:spcBef>
-                <a:spcPts val="0"/>
-              </a:spcBef>
-              <a:spcAft>
-                <a:spcPts val="0"/>
-              </a:spcAft>
-              <a:buNone/>
-            </a:pPr>
-            <a:endParaRPr/>
-          </a:p>
-        </p:txBody>
-      </p:sp>
-      <p:sp>
-        <p:nvSpPr>
-          <p:cNvPr id="207" name="Shape 207"/>
-          <p:cNvSpPr txBox="1"/>
-          <p:nvPr/>
-        </p:nvSpPr>
-        <p:spPr>
-          <a:xfrm>
-            <a:off x="775725" y="3322750"/>
-            <a:ext cx="1236500" cy="369300"/>
-          </a:xfrm>
-          <a:prstGeom prst="rect">
-            <a:avLst/>
-          </a:prstGeom>
-          <a:noFill/>
-          <a:ln>
-            <a:noFill/>
-          </a:ln>
-        </p:spPr>
-        <p:txBody>
-          <a:bodyPr spcFirstLastPara="1" wrap="square" lIns="91425" tIns="91425" rIns="91425" bIns="91425" anchor="t" anchorCtr="0">
-            <a:noAutofit/>
-          </a:bodyPr>
-          <a:lstStyle/>
-          <a:p>
-            <a:pPr marL="0" lvl="0" indent="0">
-              <a:spcBef>
-                <a:spcPts val="0"/>
-              </a:spcBef>
-              <a:spcAft>
-                <a:spcPts val="0"/>
-              </a:spcAft>
-              <a:buNone/>
-            </a:pPr>
-            <a:r>
-              <a:rPr lang="id" sz="1800" dirty="0">
-                <a:solidFill>
-                  <a:srgbClr val="FFFFFF"/>
-                </a:solidFill>
-                <a:latin typeface="Berlin Sans FB" panose="020E0602020502020306" pitchFamily="34" charset="0"/>
-                <a:ea typeface="Amatic SC"/>
-                <a:cs typeface="Amatic SC"/>
-                <a:sym typeface="Amatic SC"/>
-              </a:rPr>
-              <a:t>Mahasiswa</a:t>
-            </a:r>
-            <a:endParaRPr sz="1800" dirty="0">
-              <a:solidFill>
-                <a:srgbClr val="FFFFFF"/>
-              </a:solidFill>
-              <a:latin typeface="Berlin Sans FB" panose="020E0602020502020306" pitchFamily="34" charset="0"/>
-              <a:ea typeface="Amatic SC"/>
-              <a:cs typeface="Amatic SC"/>
-              <a:sym typeface="Amatic SC"/>
-            </a:endParaRPr>
-          </a:p>
-        </p:txBody>
-      </p:sp>
-      <p:sp>
-        <p:nvSpPr>
-          <p:cNvPr id="208" name="Shape 208"/>
-          <p:cNvSpPr/>
-          <p:nvPr/>
-        </p:nvSpPr>
-        <p:spPr>
-          <a:xfrm>
-            <a:off x="7149175" y="3421775"/>
-            <a:ext cx="1119600" cy="645000"/>
-          </a:xfrm>
-          <a:prstGeom prst="rect">
-            <a:avLst/>
-          </a:prstGeom>
-          <a:noFill/>
-          <a:ln w="19050" cap="flat" cmpd="sng">
-            <a:solidFill>
-              <a:srgbClr val="FFFFFF"/>
-            </a:solidFill>
-            <a:prstDash val="solid"/>
-            <a:round/>
-            <a:headEnd type="none" w="sm" len="sm"/>
-            <a:tailEnd type="none" w="sm" len="sm"/>
-          </a:ln>
-        </p:spPr>
-        <p:txBody>
-          <a:bodyPr spcFirstLastPara="1" wrap="square" lIns="91425" tIns="91425" rIns="91425" bIns="91425" anchor="ctr" anchorCtr="0">
-            <a:noAutofit/>
-          </a:bodyPr>
-          <a:lstStyle/>
-          <a:p>
-            <a:pPr marL="0" lvl="0" indent="0">
-              <a:spcBef>
-                <a:spcPts val="0"/>
-              </a:spcBef>
-              <a:spcAft>
-                <a:spcPts val="0"/>
-              </a:spcAft>
-              <a:buNone/>
-            </a:pPr>
-            <a:endParaRPr/>
-          </a:p>
-        </p:txBody>
-      </p:sp>
-      <p:sp>
-        <p:nvSpPr>
-          <p:cNvPr id="209" name="Shape 209"/>
-          <p:cNvSpPr txBox="1"/>
-          <p:nvPr/>
-        </p:nvSpPr>
-        <p:spPr>
-          <a:xfrm>
-            <a:off x="7149175" y="3367625"/>
-            <a:ext cx="1352700" cy="769775"/>
-          </a:xfrm>
-          <a:prstGeom prst="rect">
-            <a:avLst/>
-          </a:prstGeom>
-          <a:noFill/>
-          <a:ln>
-            <a:noFill/>
-          </a:ln>
-        </p:spPr>
-        <p:txBody>
-          <a:bodyPr spcFirstLastPara="1" wrap="square" lIns="91425" tIns="91425" rIns="91425" bIns="91425" anchor="t" anchorCtr="0">
-            <a:noAutofit/>
-          </a:bodyPr>
-          <a:lstStyle/>
-          <a:p>
-            <a:pPr marL="0" lvl="0" indent="0" rtl="0">
-              <a:spcBef>
-                <a:spcPts val="0"/>
-              </a:spcBef>
-              <a:spcAft>
-                <a:spcPts val="0"/>
-              </a:spcAft>
-              <a:buNone/>
-            </a:pPr>
-            <a:r>
-              <a:rPr lang="en-ID" sz="1800" dirty="0" err="1">
-                <a:solidFill>
-                  <a:srgbClr val="FFFFFF"/>
-                </a:solidFill>
-                <a:latin typeface="Berlin Sans FB" panose="020E0602020502020306" pitchFamily="34" charset="0"/>
-                <a:ea typeface="Amatic SC"/>
-                <a:cs typeface="Amatic SC"/>
-                <a:sym typeface="Amatic SC"/>
-              </a:rPr>
-              <a:t>Penyalur</a:t>
-            </a:r>
-            <a:endParaRPr lang="en-ID" sz="1800" dirty="0">
-              <a:solidFill>
-                <a:srgbClr val="FFFFFF"/>
-              </a:solidFill>
-              <a:latin typeface="Berlin Sans FB" panose="020E0602020502020306" pitchFamily="34" charset="0"/>
-              <a:ea typeface="Amatic SC"/>
-              <a:cs typeface="Amatic SC"/>
-              <a:sym typeface="Amatic SC"/>
-            </a:endParaRPr>
-          </a:p>
-          <a:p>
-            <a:pPr marL="0" lvl="0" indent="0" rtl="0">
-              <a:spcBef>
-                <a:spcPts val="0"/>
-              </a:spcBef>
-              <a:spcAft>
-                <a:spcPts val="0"/>
-              </a:spcAft>
-              <a:buNone/>
-            </a:pPr>
-            <a:r>
-              <a:rPr lang="en-ID" sz="1800" dirty="0" err="1">
-                <a:solidFill>
-                  <a:srgbClr val="FFFFFF"/>
-                </a:solidFill>
-                <a:latin typeface="Berlin Sans FB" panose="020E0602020502020306" pitchFamily="34" charset="0"/>
-                <a:ea typeface="Amatic SC"/>
-                <a:cs typeface="Amatic SC"/>
-                <a:sym typeface="Amatic SC"/>
-              </a:rPr>
-              <a:t>Beasiswa</a:t>
-            </a:r>
-            <a:endParaRPr sz="1800" dirty="0">
-              <a:solidFill>
-                <a:srgbClr val="FFFFFF"/>
-              </a:solidFill>
-              <a:latin typeface="Berlin Sans FB" panose="020E0602020502020306" pitchFamily="34" charset="0"/>
-              <a:ea typeface="Amatic SC"/>
-              <a:cs typeface="Amatic SC"/>
-              <a:sym typeface="Amatic SC"/>
-            </a:endParaRPr>
-          </a:p>
-        </p:txBody>
-      </p:sp>
+        </p:nvPicPr>
+        <p:blipFill>
+          <a:blip r:embed="rId3"/>
+          <a:stretch>
+            <a:fillRect/>
+          </a:stretch>
+        </p:blipFill>
+        <p:spPr>
+          <a:xfrm>
+            <a:off x="1404495" y="471194"/>
+            <a:ext cx="6335009" cy="4201111"/>
+          </a:xfrm>
+          <a:prstGeom prst="rect">
+            <a:avLst/>
+          </a:prstGeom>
+        </p:spPr>
+      </p:pic>
     </p:spTree>
   </p:cSld>
   <p:clrMapOvr>
